--- a/Apresentação/SpotGlam – App.pptx
+++ b/Apresentação/SpotGlam – App.pptx
@@ -7,8 +7,10 @@
   <p:sldIdLst>
     <p:sldId id="256" r:id="rId2"/>
     <p:sldId id="257" r:id="rId3"/>
-    <p:sldId id="258" r:id="rId4"/>
-    <p:sldId id="259" r:id="rId5"/>
+    <p:sldId id="259" r:id="rId4"/>
+    <p:sldId id="258" r:id="rId5"/>
+    <p:sldId id="260" r:id="rId6"/>
+    <p:sldId id="261" r:id="rId7"/>
   </p:sldIdLst>
   <p:sldSz cx="12192000" cy="6858000"/>
   <p:notesSz cx="6858000" cy="9144000"/>
@@ -107,6 +109,11 @@
       </a:defRPr>
     </a:lvl9pPr>
   </p:defaultTextStyle>
+  <p:extLst>
+    <p:ext uri="{EFAFB233-063F-42B5-8137-9DF3F51BA10A}">
+      <p15:sldGuideLst xmlns:p15="http://schemas.microsoft.com/office/powerpoint/2012/main"/>
+    </p:ext>
+  </p:extLst>
 </p:presentation>
 </file>
 
@@ -613,7 +620,7 @@
             <a:fld id="{B61BEF0D-F0BB-DE4B-95CE-6DB70DBA9567}" type="datetimeFigureOut">
               <a:rPr lang="en-US" dirty="0"/>
               <a:pPr/>
-              <a:t>3/19/2017</a:t>
+              <a:t>3/28/2017</a:t>
             </a:fld>
             <a:endParaRPr lang="en-US" dirty="0"/>
           </a:p>
@@ -906,7 +913,7 @@
             <a:fld id="{B61BEF0D-F0BB-DE4B-95CE-6DB70DBA9567}" type="datetimeFigureOut">
               <a:rPr lang="en-US" dirty="0"/>
               <a:pPr/>
-              <a:t>3/19/2017</a:t>
+              <a:t>3/28/2017</a:t>
             </a:fld>
             <a:endParaRPr lang="en-US" dirty="0"/>
           </a:p>
@@ -1151,7 +1158,7 @@
             <a:fld id="{B61BEF0D-F0BB-DE4B-95CE-6DB70DBA9567}" type="datetimeFigureOut">
               <a:rPr lang="en-US" dirty="0"/>
               <a:pPr/>
-              <a:t>3/19/2017</a:t>
+              <a:t>3/28/2017</a:t>
             </a:fld>
             <a:endParaRPr lang="en-US" dirty="0"/>
           </a:p>
@@ -1688,7 +1695,7 @@
             <a:fld id="{B61BEF0D-F0BB-DE4B-95CE-6DB70DBA9567}" type="datetimeFigureOut">
               <a:rPr lang="en-US" dirty="0"/>
               <a:pPr/>
-              <a:t>3/19/2017</a:t>
+              <a:t>3/28/2017</a:t>
             </a:fld>
             <a:endParaRPr lang="en-US" dirty="0"/>
           </a:p>
@@ -1933,7 +1940,7 @@
             <a:fld id="{B61BEF0D-F0BB-DE4B-95CE-6DB70DBA9567}" type="datetimeFigureOut">
               <a:rPr lang="en-US" dirty="0"/>
               <a:pPr/>
-              <a:t>3/19/2017</a:t>
+              <a:t>3/28/2017</a:t>
             </a:fld>
             <a:endParaRPr lang="en-US" dirty="0"/>
           </a:p>
@@ -2462,7 +2469,7 @@
             <a:fld id="{B61BEF0D-F0BB-DE4B-95CE-6DB70DBA9567}" type="datetimeFigureOut">
               <a:rPr lang="en-US" dirty="0"/>
               <a:pPr/>
-              <a:t>3/19/2017</a:t>
+              <a:t>3/28/2017</a:t>
             </a:fld>
             <a:endParaRPr lang="en-US" dirty="0"/>
           </a:p>
@@ -2756,7 +2763,7 @@
             <a:fld id="{B61BEF0D-F0BB-DE4B-95CE-6DB70DBA9567}" type="datetimeFigureOut">
               <a:rPr lang="en-US" dirty="0"/>
               <a:pPr/>
-              <a:t>3/19/2017</a:t>
+              <a:t>3/28/2017</a:t>
             </a:fld>
             <a:endParaRPr lang="en-US" dirty="0"/>
           </a:p>
@@ -2927,7 +2934,7 @@
             <a:fld id="{B61BEF0D-F0BB-DE4B-95CE-6DB70DBA9567}" type="datetimeFigureOut">
               <a:rPr lang="en-US" dirty="0"/>
               <a:pPr/>
-              <a:t>3/19/2017</a:t>
+              <a:t>3/28/2017</a:t>
             </a:fld>
             <a:endParaRPr lang="en-US" dirty="0"/>
           </a:p>
@@ -3104,7 +3111,7 @@
             <a:fld id="{B61BEF0D-F0BB-DE4B-95CE-6DB70DBA9567}" type="datetimeFigureOut">
               <a:rPr lang="en-US" dirty="0"/>
               <a:pPr/>
-              <a:t>3/19/2017</a:t>
+              <a:t>3/28/2017</a:t>
             </a:fld>
             <a:endParaRPr lang="en-US" dirty="0"/>
           </a:p>
@@ -3271,7 +3278,7 @@
             <a:fld id="{B61BEF0D-F0BB-DE4B-95CE-6DB70DBA9567}" type="datetimeFigureOut">
               <a:rPr lang="en-US" dirty="0"/>
               <a:pPr/>
-              <a:t>3/19/2017</a:t>
+              <a:t>3/28/2017</a:t>
             </a:fld>
             <a:endParaRPr lang="en-US" dirty="0"/>
           </a:p>
@@ -3519,7 +3526,7 @@
             <a:fld id="{B61BEF0D-F0BB-DE4B-95CE-6DB70DBA9567}" type="datetimeFigureOut">
               <a:rPr lang="en-US" dirty="0"/>
               <a:pPr/>
-              <a:t>3/19/2017</a:t>
+              <a:t>3/28/2017</a:t>
             </a:fld>
             <a:endParaRPr lang="en-US" dirty="0"/>
           </a:p>
@@ -3813,7 +3820,7 @@
             <a:fld id="{B61BEF0D-F0BB-DE4B-95CE-6DB70DBA9567}" type="datetimeFigureOut">
               <a:rPr lang="en-US" dirty="0"/>
               <a:pPr/>
-              <a:t>3/19/2017</a:t>
+              <a:t>3/28/2017</a:t>
             </a:fld>
             <a:endParaRPr lang="en-US" dirty="0"/>
           </a:p>
@@ -4252,7 +4259,7 @@
             <a:fld id="{B61BEF0D-F0BB-DE4B-95CE-6DB70DBA9567}" type="datetimeFigureOut">
               <a:rPr lang="en-US" dirty="0"/>
               <a:pPr/>
-              <a:t>3/19/2017</a:t>
+              <a:t>3/28/2017</a:t>
             </a:fld>
             <a:endParaRPr lang="en-US" dirty="0"/>
           </a:p>
@@ -4367,7 +4374,7 @@
             <a:fld id="{B61BEF0D-F0BB-DE4B-95CE-6DB70DBA9567}" type="datetimeFigureOut">
               <a:rPr lang="en-US" dirty="0"/>
               <a:pPr/>
-              <a:t>3/19/2017</a:t>
+              <a:t>3/28/2017</a:t>
             </a:fld>
             <a:endParaRPr lang="en-US" dirty="0"/>
           </a:p>
@@ -4459,7 +4466,7 @@
             <a:fld id="{B61BEF0D-F0BB-DE4B-95CE-6DB70DBA9567}" type="datetimeFigureOut">
               <a:rPr lang="en-US" dirty="0"/>
               <a:pPr/>
-              <a:t>3/19/2017</a:t>
+              <a:t>3/28/2017</a:t>
             </a:fld>
             <a:endParaRPr lang="en-US" dirty="0"/>
           </a:p>
@@ -4739,7 +4746,7 @@
             <a:fld id="{B61BEF0D-F0BB-DE4B-95CE-6DB70DBA9567}" type="datetimeFigureOut">
               <a:rPr lang="en-US" dirty="0"/>
               <a:pPr/>
-              <a:t>3/19/2017</a:t>
+              <a:t>3/28/2017</a:t>
             </a:fld>
             <a:endParaRPr lang="en-US" dirty="0"/>
           </a:p>
@@ -5027,7 +5034,7 @@
             <a:fld id="{B61BEF0D-F0BB-DE4B-95CE-6DB70DBA9567}" type="datetimeFigureOut">
               <a:rPr lang="en-US" dirty="0"/>
               <a:pPr/>
-              <a:t>3/19/2017</a:t>
+              <a:t>3/28/2017</a:t>
             </a:fld>
             <a:endParaRPr lang="en-US" dirty="0"/>
           </a:p>
@@ -5554,7 +5561,7 @@
             <a:fld id="{B61BEF0D-F0BB-DE4B-95CE-6DB70DBA9567}" type="datetimeFigureOut">
               <a:rPr lang="en-US" dirty="0"/>
               <a:pPr/>
-              <a:t>3/19/2017</a:t>
+              <a:t>3/28/2017</a:t>
             </a:fld>
             <a:endParaRPr lang="en-US" dirty="0"/>
           </a:p>
@@ -6338,8 +6345,8 @@
         </p:nvSpPr>
         <p:spPr>
           <a:xfrm>
-            <a:off x="4068416" y="132522"/>
-            <a:ext cx="4373353" cy="974771"/>
+            <a:off x="516505" y="238539"/>
+            <a:ext cx="8574622" cy="988024"/>
           </a:xfrm>
         </p:spPr>
         <p:txBody>
@@ -6349,47 +6356,65 @@
           <a:lstStyle/>
           <a:p>
             <a:r>
-              <a:rPr lang="pt-BR" dirty="0"/>
-              <a:t>Apresentação</a:t>
-            </a:r>
-          </a:p>
-        </p:txBody>
-      </p:sp>
-      <p:sp>
-        <p:nvSpPr>
-          <p:cNvPr id="3" name="Subtítulo 2"/>
-          <p:cNvSpPr>
-            <a:spLocks noGrp="1"/>
-          </p:cNvSpPr>
-          <p:nvPr>
-            <p:ph type="subTitle" idx="1"/>
-          </p:nvPr>
-        </p:nvSpPr>
+              <a:rPr lang="pt-BR"/>
+              <a:t>Contextualização</a:t>
+            </a:r>
+            <a:endParaRPr lang="pt-BR" dirty="0"/>
+          </a:p>
+        </p:txBody>
+      </p:sp>
+      <p:pic>
+        <p:nvPicPr>
+          <p:cNvPr id="5" name="Imagem 4"/>
+          <p:cNvPicPr>
+            <a:picLocks noChangeAspect="1"/>
+          </p:cNvPicPr>
+          <p:nvPr/>
+        </p:nvPicPr>
+        <p:blipFill>
+          <a:blip r:embed="rId2"/>
+          <a:stretch>
+            <a:fillRect/>
+          </a:stretch>
+        </p:blipFill>
         <p:spPr>
           <a:xfrm>
-            <a:off x="2954840" y="1680850"/>
-            <a:ext cx="8773470" cy="4088264"/>
+            <a:off x="3073676" y="1842051"/>
+            <a:ext cx="3592996" cy="4790661"/>
           </a:xfrm>
+          <a:prstGeom prst="rect">
+            <a:avLst/>
+          </a:prstGeom>
         </p:spPr>
-        <p:txBody>
-          <a:bodyPr>
-            <a:normAutofit/>
-          </a:bodyPr>
-          <a:lstStyle/>
-          <a:p>
-            <a:pPr algn="l"/>
-            <a:r>
-              <a:rPr lang="pt-BR" sz="3000" dirty="0"/>
-              <a:t>Então surgiu a necessidade de criarmos um APP que possibilitasse o usuário além de buscar os “spots” mais próximos, traçar rotas, ver quais tipos de produtos tem no spot selecionado (modelos), informações de contato do estabelecimento comercial que tem o “spot”, acompanhar as promoções relâmpagos e novidades da empresa.</a:t>
-            </a:r>
-            <a:endParaRPr lang="pt-BR" sz="3000" dirty="0"/>
-          </a:p>
-        </p:txBody>
-      </p:sp>
+      </p:pic>
+      <p:pic>
+        <p:nvPicPr>
+          <p:cNvPr id="7" name="Imagem 6"/>
+          <p:cNvPicPr>
+            <a:picLocks noChangeAspect="1"/>
+          </p:cNvPicPr>
+          <p:nvPr/>
+        </p:nvPicPr>
+        <p:blipFill>
+          <a:blip r:embed="rId3"/>
+          <a:stretch>
+            <a:fillRect/>
+          </a:stretch>
+        </p:blipFill>
+        <p:spPr>
+          <a:xfrm>
+            <a:off x="7117245" y="1842050"/>
+            <a:ext cx="3592995" cy="4790661"/>
+          </a:xfrm>
+          <a:prstGeom prst="rect">
+            <a:avLst/>
+          </a:prstGeom>
+        </p:spPr>
+      </p:pic>
     </p:spTree>
     <p:extLst>
       <p:ext uri="{BB962C8B-B14F-4D97-AF65-F5344CB8AC3E}">
-        <p14:creationId xmlns:p14="http://schemas.microsoft.com/office/powerpoint/2010/main" val="4220218662"/>
+        <p14:creationId xmlns:p14="http://schemas.microsoft.com/office/powerpoint/2010/main" val="2774920918"/>
       </p:ext>
     </p:extLst>
   </p:cSld>
@@ -6426,12 +6451,22 @@
             <p:ph type="ctrTitle"/>
           </p:nvPr>
         </p:nvSpPr>
-        <p:spPr/>
-        <p:txBody>
-          <a:bodyPr/>
-          <a:lstStyle/>
-          <a:p>
-            <a:endParaRPr lang="pt-BR" dirty="0"/>
+        <p:spPr>
+          <a:xfrm>
+            <a:off x="4068416" y="132522"/>
+            <a:ext cx="4373353" cy="974771"/>
+          </a:xfrm>
+        </p:spPr>
+        <p:txBody>
+          <a:bodyPr>
+            <a:normAutofit fontScale="90000"/>
+          </a:bodyPr>
+          <a:lstStyle/>
+          <a:p>
+            <a:r>
+              <a:rPr lang="pt-BR" dirty="0"/>
+              <a:t>Apresentação</a:t>
+            </a:r>
           </a:p>
         </p:txBody>
       </p:sp>
@@ -6445,19 +6480,197 @@
             <p:ph type="subTitle" idx="1"/>
           </p:nvPr>
         </p:nvSpPr>
-        <p:spPr/>
-        <p:txBody>
-          <a:bodyPr/>
-          <a:lstStyle/>
-          <a:p>
-            <a:endParaRPr lang="pt-BR"/>
+        <p:spPr>
+          <a:xfrm>
+            <a:off x="2954840" y="1680850"/>
+            <a:ext cx="8773470" cy="4088264"/>
+          </a:xfrm>
+        </p:spPr>
+        <p:txBody>
+          <a:bodyPr>
+            <a:normAutofit/>
+          </a:bodyPr>
+          <a:lstStyle/>
+          <a:p>
+            <a:pPr algn="l"/>
+            <a:r>
+              <a:rPr lang="pt-BR" sz="3000" dirty="0"/>
+              <a:t>Então surgiu a necessidade de criarmos um APP que possibilitasse o usuário além de buscar os “spots” mais próximos, traçar rotas, ver quais tipos de produtos tem no spot selecionado (modelos), informações de contato do estabelecimento comercial que tem o “spot”, acompanhar as promoções relâmpagos e novidades da empresa.</a:t>
+            </a:r>
           </a:p>
         </p:txBody>
       </p:sp>
     </p:spTree>
     <p:extLst>
       <p:ext uri="{BB962C8B-B14F-4D97-AF65-F5344CB8AC3E}">
-        <p14:creationId xmlns:p14="http://schemas.microsoft.com/office/powerpoint/2010/main" val="2774920918"/>
+        <p14:creationId xmlns:p14="http://schemas.microsoft.com/office/powerpoint/2010/main" val="4220218662"/>
+      </p:ext>
+    </p:extLst>
+  </p:cSld>
+  <p:clrMapOvr>
+    <a:masterClrMapping/>
+  </p:clrMapOvr>
+</p:sld>
+</file>
+
+<file path=ppt/slides/slide5.xml><?xml version="1.0" encoding="utf-8"?>
+<p:sld xmlns:a="http://schemas.openxmlformats.org/drawingml/2006/main" xmlns:r="http://schemas.openxmlformats.org/officeDocument/2006/relationships" xmlns:p="http://schemas.openxmlformats.org/presentationml/2006/main">
+  <p:cSld>
+    <p:spTree>
+      <p:nvGrpSpPr>
+        <p:cNvPr id="1" name=""/>
+        <p:cNvGrpSpPr/>
+        <p:nvPr/>
+      </p:nvGrpSpPr>
+      <p:grpSpPr>
+        <a:xfrm>
+          <a:off x="0" y="0"/>
+          <a:ext cx="0" cy="0"/>
+          <a:chOff x="0" y="0"/>
+          <a:chExt cx="0" cy="0"/>
+        </a:xfrm>
+      </p:grpSpPr>
+      <p:sp>
+        <p:nvSpPr>
+          <p:cNvPr id="2" name="Título 1"/>
+          <p:cNvSpPr>
+            <a:spLocks noGrp="1"/>
+          </p:cNvSpPr>
+          <p:nvPr>
+            <p:ph type="title"/>
+          </p:nvPr>
+        </p:nvSpPr>
+        <p:spPr/>
+        <p:txBody>
+          <a:bodyPr/>
+          <a:lstStyle/>
+          <a:p>
+            <a:r>
+              <a:rPr lang="pt-BR" dirty="0"/>
+              <a:t>Modelo Navegacional e Protótipos</a:t>
+            </a:r>
+          </a:p>
+        </p:txBody>
+      </p:sp>
+      <p:sp>
+        <p:nvSpPr>
+          <p:cNvPr id="3" name="Espaço Reservado para Conteúdo 2"/>
+          <p:cNvSpPr>
+            <a:spLocks noGrp="1"/>
+          </p:cNvSpPr>
+          <p:nvPr>
+            <p:ph idx="1"/>
+          </p:nvPr>
+        </p:nvSpPr>
+        <p:spPr>
+          <a:xfrm>
+            <a:off x="2425214" y="2242929"/>
+            <a:ext cx="10018713" cy="3124201"/>
+          </a:xfrm>
+        </p:spPr>
+        <p:txBody>
+          <a:bodyPr>
+            <a:normAutofit/>
+          </a:bodyPr>
+          <a:lstStyle/>
+          <a:p>
+            <a:r>
+              <a:rPr lang="pt-BR" sz="3600" dirty="0">
+                <a:hlinkClick r:id="rId2"/>
+              </a:rPr>
+              <a:t>https://marvelapp.com/57h1fa1</a:t>
+            </a:r>
+            <a:endParaRPr lang="pt-BR" sz="3600" dirty="0"/>
+          </a:p>
+        </p:txBody>
+      </p:sp>
+    </p:spTree>
+    <p:extLst>
+      <p:ext uri="{BB962C8B-B14F-4D97-AF65-F5344CB8AC3E}">
+        <p14:creationId xmlns:p14="http://schemas.microsoft.com/office/powerpoint/2010/main" val="1192551752"/>
+      </p:ext>
+    </p:extLst>
+  </p:cSld>
+  <p:clrMapOvr>
+    <a:masterClrMapping/>
+  </p:clrMapOvr>
+</p:sld>
+</file>
+
+<file path=ppt/slides/slide6.xml><?xml version="1.0" encoding="utf-8"?>
+<p:sld xmlns:a="http://schemas.openxmlformats.org/drawingml/2006/main" xmlns:r="http://schemas.openxmlformats.org/officeDocument/2006/relationships" xmlns:p="http://schemas.openxmlformats.org/presentationml/2006/main">
+  <p:cSld>
+    <p:spTree>
+      <p:nvGrpSpPr>
+        <p:cNvPr id="1" name=""/>
+        <p:cNvGrpSpPr/>
+        <p:nvPr/>
+      </p:nvGrpSpPr>
+      <p:grpSpPr>
+        <a:xfrm>
+          <a:off x="0" y="0"/>
+          <a:ext cx="0" cy="0"/>
+          <a:chOff x="0" y="0"/>
+          <a:chExt cx="0" cy="0"/>
+        </a:xfrm>
+      </p:grpSpPr>
+      <p:sp>
+        <p:nvSpPr>
+          <p:cNvPr id="2" name="Título 1"/>
+          <p:cNvSpPr>
+            <a:spLocks noGrp="1"/>
+          </p:cNvSpPr>
+          <p:nvPr>
+            <p:ph type="title"/>
+          </p:nvPr>
+        </p:nvSpPr>
+        <p:spPr/>
+        <p:txBody>
+          <a:bodyPr/>
+          <a:lstStyle/>
+          <a:p>
+            <a:r>
+              <a:rPr lang="pt-BR" dirty="0" err="1"/>
+              <a:t>Github</a:t>
+            </a:r>
+            <a:r>
+              <a:rPr lang="pt-BR" dirty="0"/>
+              <a:t> do Projeto</a:t>
+            </a:r>
+          </a:p>
+        </p:txBody>
+      </p:sp>
+      <p:sp>
+        <p:nvSpPr>
+          <p:cNvPr id="3" name="Espaço Reservado para Conteúdo 2"/>
+          <p:cNvSpPr>
+            <a:spLocks noGrp="1"/>
+          </p:cNvSpPr>
+          <p:nvPr>
+            <p:ph idx="1"/>
+          </p:nvPr>
+        </p:nvSpPr>
+        <p:spPr/>
+        <p:txBody>
+          <a:bodyPr>
+            <a:normAutofit/>
+          </a:bodyPr>
+          <a:lstStyle/>
+          <a:p>
+            <a:r>
+              <a:rPr lang="pt-BR" sz="3200" dirty="0">
+                <a:hlinkClick r:id="rId2"/>
+              </a:rPr>
+              <a:t>https://github.com/RenatoDias22/SpotglamApp</a:t>
+            </a:r>
+            <a:endParaRPr lang="pt-BR" sz="3200" dirty="0"/>
+          </a:p>
+        </p:txBody>
+      </p:sp>
+    </p:spTree>
+    <p:extLst>
+      <p:ext uri="{BB962C8B-B14F-4D97-AF65-F5344CB8AC3E}">
+        <p14:creationId xmlns:p14="http://schemas.microsoft.com/office/powerpoint/2010/main" val="2112093359"/>
       </p:ext>
     </p:extLst>
   </p:cSld>
